--- a/pipelining AK 2.pptx
+++ b/pipelining AK 2.pptx
@@ -3458,19 +3458,35 @@
             <a:p>
               <a:pPr algn="ctr"/>
               <a:r>
-                <a:rPr lang="fr-FR" sz="1200" dirty="0" err="1"/>
+                <a:rPr lang="fr-FR" sz="1200" dirty="0" err="1">
+                  <a:solidFill>
+                    <a:schemeClr val="tx1"/>
+                  </a:solidFill>
+                </a:rPr>
                 <a:t>Scheduling</a:t>
               </a:r>
               <a:r>
-                <a:rPr lang="fr-FR" sz="1200" dirty="0"/>
+                <a:rPr lang="fr-FR" sz="1200" dirty="0">
+                  <a:solidFill>
+                    <a:schemeClr val="tx1"/>
+                  </a:solidFill>
+                </a:rPr>
                 <a:t> </a:t>
               </a:r>
               <a:r>
-                <a:rPr lang="fr-FR" sz="1200" dirty="0" err="1"/>
+                <a:rPr lang="fr-FR" sz="1200" dirty="0" err="1">
+                  <a:solidFill>
+                    <a:schemeClr val="tx1"/>
+                  </a:solidFill>
+                </a:rPr>
                 <a:t>function</a:t>
               </a:r>
               <a:r>
-                <a:rPr lang="fr-FR" sz="1200" dirty="0"/>
+                <a:rPr lang="fr-FR" sz="1200" dirty="0">
+                  <a:solidFill>
+                    <a:schemeClr val="tx1"/>
+                  </a:solidFill>
+                </a:rPr>
                 <a:t> 1</a:t>
               </a:r>
             </a:p>
@@ -3525,15 +3541,27 @@
             <a:p>
               <a:pPr algn="ctr"/>
               <a:r>
-                <a:rPr lang="fr-FR" sz="1200" dirty="0"/>
+                <a:rPr lang="fr-FR" sz="1200" dirty="0">
+                  <a:solidFill>
+                    <a:schemeClr val="tx1"/>
+                  </a:solidFill>
+                </a:rPr>
                 <a:t>User </a:t>
               </a:r>
               <a:r>
-                <a:rPr lang="fr-FR" sz="1200" dirty="0" err="1"/>
+                <a:rPr lang="fr-FR" sz="1200" dirty="0" err="1">
+                  <a:solidFill>
+                    <a:schemeClr val="tx1"/>
+                  </a:solidFill>
+                </a:rPr>
                 <a:t>Function</a:t>
               </a:r>
               <a:r>
-                <a:rPr lang="fr-FR" sz="1200" dirty="0"/>
+                <a:rPr lang="fr-FR" sz="1200" dirty="0">
+                  <a:solidFill>
+                    <a:schemeClr val="tx1"/>
+                  </a:solidFill>
+                </a:rPr>
                 <a:t> 1</a:t>
               </a:r>
             </a:p>
@@ -3588,7 +3616,11 @@
             <a:p>
               <a:pPr algn="ctr"/>
               <a:r>
-                <a:rPr lang="fr-FR" sz="1200" dirty="0"/>
+                <a:rPr lang="fr-FR" sz="1200" dirty="0">
+                  <a:solidFill>
+                    <a:schemeClr val="tx1"/>
+                  </a:solidFill>
+                </a:rPr>
                 <a:t>Input download</a:t>
               </a:r>
             </a:p>
@@ -3643,7 +3675,11 @@
             <a:p>
               <a:pPr algn="ctr"/>
               <a:r>
-                <a:rPr lang="fr-FR" sz="1200" dirty="0"/>
+                <a:rPr lang="fr-FR" sz="1200" dirty="0">
+                  <a:solidFill>
+                    <a:schemeClr val="tx1"/>
+                  </a:solidFill>
+                </a:rPr>
                 <a:t>Computation</a:t>
               </a:r>
             </a:p>
@@ -3698,14 +3734,26 @@
             <a:p>
               <a:pPr algn="ctr"/>
               <a:r>
-                <a:rPr lang="fr-FR" sz="1200" dirty="0"/>
+                <a:rPr lang="fr-FR" sz="1200" dirty="0">
+                  <a:solidFill>
+                    <a:schemeClr val="tx1"/>
+                  </a:solidFill>
+                </a:rPr>
                 <a:t>Output </a:t>
               </a:r>
               <a:r>
-                <a:rPr lang="fr-FR" sz="1200" dirty="0" err="1"/>
+                <a:rPr lang="fr-FR" sz="1200" dirty="0" err="1">
+                  <a:solidFill>
+                    <a:schemeClr val="tx1"/>
+                  </a:solidFill>
+                </a:rPr>
                 <a:t>upload</a:t>
               </a:r>
-              <a:endParaRPr lang="fr-FR" sz="1200" dirty="0"/>
+              <a:endParaRPr lang="fr-FR" sz="1200" dirty="0">
+                <a:solidFill>
+                  <a:schemeClr val="tx1"/>
+                </a:solidFill>
+              </a:endParaRPr>
             </a:p>
           </p:txBody>
         </p:sp>
@@ -3760,19 +3808,35 @@
             <a:p>
               <a:pPr algn="ctr"/>
               <a:r>
-                <a:rPr lang="fr-FR" sz="1200" dirty="0" err="1"/>
+                <a:rPr lang="fr-FR" sz="1200" dirty="0" err="1">
+                  <a:solidFill>
+                    <a:schemeClr val="tx1"/>
+                  </a:solidFill>
+                </a:rPr>
                 <a:t>Scheduling</a:t>
               </a:r>
               <a:r>
-                <a:rPr lang="fr-FR" sz="1200" dirty="0"/>
+                <a:rPr lang="fr-FR" sz="1200" dirty="0">
+                  <a:solidFill>
+                    <a:schemeClr val="tx1"/>
+                  </a:solidFill>
+                </a:rPr>
                 <a:t> </a:t>
               </a:r>
               <a:r>
-                <a:rPr lang="fr-FR" sz="1200" dirty="0" err="1"/>
+                <a:rPr lang="fr-FR" sz="1200" dirty="0" err="1">
+                  <a:solidFill>
+                    <a:schemeClr val="tx1"/>
+                  </a:solidFill>
+                </a:rPr>
                 <a:t>function</a:t>
               </a:r>
               <a:r>
-                <a:rPr lang="fr-FR" sz="1200" dirty="0"/>
+                <a:rPr lang="fr-FR" sz="1200" dirty="0">
+                  <a:solidFill>
+                    <a:schemeClr val="tx1"/>
+                  </a:solidFill>
+                </a:rPr>
                 <a:t> 2</a:t>
               </a:r>
             </a:p>
@@ -3827,15 +3891,27 @@
             <a:p>
               <a:pPr algn="ctr"/>
               <a:r>
-                <a:rPr lang="fr-FR" sz="1200" dirty="0"/>
+                <a:rPr lang="fr-FR" sz="1200" dirty="0">
+                  <a:solidFill>
+                    <a:schemeClr val="tx1"/>
+                  </a:solidFill>
+                </a:rPr>
                 <a:t>User </a:t>
               </a:r>
               <a:r>
-                <a:rPr lang="fr-FR" sz="1200" dirty="0" err="1"/>
+                <a:rPr lang="fr-FR" sz="1200" dirty="0" err="1">
+                  <a:solidFill>
+                    <a:schemeClr val="tx1"/>
+                  </a:solidFill>
+                </a:rPr>
                 <a:t>Function</a:t>
               </a:r>
               <a:r>
-                <a:rPr lang="fr-FR" sz="1200" dirty="0"/>
+                <a:rPr lang="fr-FR" sz="1200" dirty="0">
+                  <a:solidFill>
+                    <a:schemeClr val="tx1"/>
+                  </a:solidFill>
+                </a:rPr>
                 <a:t> 2</a:t>
               </a:r>
             </a:p>
@@ -3890,7 +3966,11 @@
             <a:p>
               <a:pPr algn="ctr"/>
               <a:r>
-                <a:rPr lang="fr-FR" sz="1200" dirty="0"/>
+                <a:rPr lang="fr-FR" sz="1200" dirty="0">
+                  <a:solidFill>
+                    <a:schemeClr val="tx1"/>
+                  </a:solidFill>
+                </a:rPr>
                 <a:t>Input download</a:t>
               </a:r>
             </a:p>
@@ -3945,7 +4025,11 @@
             <a:p>
               <a:pPr algn="ctr"/>
               <a:r>
-                <a:rPr lang="fr-FR" sz="1200" dirty="0"/>
+                <a:rPr lang="fr-FR" sz="1200" dirty="0">
+                  <a:solidFill>
+                    <a:schemeClr val="tx1"/>
+                  </a:solidFill>
+                </a:rPr>
                 <a:t>Computation</a:t>
               </a:r>
             </a:p>
@@ -4000,14 +4084,26 @@
             <a:p>
               <a:pPr algn="ctr"/>
               <a:r>
-                <a:rPr lang="fr-FR" sz="1200" dirty="0"/>
+                <a:rPr lang="fr-FR" sz="1200" dirty="0">
+                  <a:solidFill>
+                    <a:schemeClr val="tx1"/>
+                  </a:solidFill>
+                </a:rPr>
                 <a:t>Output </a:t>
               </a:r>
               <a:r>
-                <a:rPr lang="fr-FR" sz="1200" dirty="0" err="1"/>
+                <a:rPr lang="fr-FR" sz="1200" dirty="0" err="1">
+                  <a:solidFill>
+                    <a:schemeClr val="tx1"/>
+                  </a:solidFill>
+                </a:rPr>
                 <a:t>upload</a:t>
               </a:r>
-              <a:endParaRPr lang="fr-FR" sz="1200" dirty="0"/>
+              <a:endParaRPr lang="fr-FR" sz="1200" dirty="0">
+                <a:solidFill>
+                  <a:schemeClr val="tx1"/>
+                </a:solidFill>
+              </a:endParaRPr>
             </a:p>
           </p:txBody>
         </p:sp>
@@ -4109,19 +4205,35 @@
             <a:p>
               <a:pPr algn="ctr"/>
               <a:r>
-                <a:rPr lang="fr-FR" sz="1200" dirty="0" err="1"/>
+                <a:rPr lang="fr-FR" sz="1200" dirty="0" err="1">
+                  <a:solidFill>
+                    <a:schemeClr val="tx1"/>
+                  </a:solidFill>
+                </a:rPr>
                 <a:t>Scheduling</a:t>
               </a:r>
               <a:r>
-                <a:rPr lang="fr-FR" sz="1200" dirty="0"/>
+                <a:rPr lang="fr-FR" sz="1200" dirty="0">
+                  <a:solidFill>
+                    <a:schemeClr val="tx1"/>
+                  </a:solidFill>
+                </a:rPr>
                 <a:t> </a:t>
               </a:r>
               <a:r>
-                <a:rPr lang="fr-FR" sz="1200" dirty="0" err="1"/>
+                <a:rPr lang="fr-FR" sz="1200" dirty="0" err="1">
+                  <a:solidFill>
+                    <a:schemeClr val="tx1"/>
+                  </a:solidFill>
+                </a:rPr>
                 <a:t>function</a:t>
               </a:r>
               <a:r>
-                <a:rPr lang="fr-FR" sz="1200" dirty="0"/>
+                <a:rPr lang="fr-FR" sz="1200" dirty="0">
+                  <a:solidFill>
+                    <a:schemeClr val="tx1"/>
+                  </a:solidFill>
+                </a:rPr>
                 <a:t> 1</a:t>
               </a:r>
             </a:p>
@@ -4176,15 +4288,27 @@
             <a:p>
               <a:pPr algn="ctr"/>
               <a:r>
-                <a:rPr lang="fr-FR" sz="1200" dirty="0"/>
+                <a:rPr lang="fr-FR" sz="1200" dirty="0">
+                  <a:solidFill>
+                    <a:schemeClr val="tx1"/>
+                  </a:solidFill>
+                </a:rPr>
                 <a:t>User </a:t>
               </a:r>
               <a:r>
-                <a:rPr lang="fr-FR" sz="1200" dirty="0" err="1"/>
+                <a:rPr lang="fr-FR" sz="1200" dirty="0" err="1">
+                  <a:solidFill>
+                    <a:schemeClr val="tx1"/>
+                  </a:solidFill>
+                </a:rPr>
                 <a:t>Function</a:t>
               </a:r>
               <a:r>
-                <a:rPr lang="fr-FR" sz="1200" dirty="0"/>
+                <a:rPr lang="fr-FR" sz="1200" dirty="0">
+                  <a:solidFill>
+                    <a:schemeClr val="tx1"/>
+                  </a:solidFill>
+                </a:rPr>
                 <a:t> 1</a:t>
               </a:r>
             </a:p>
@@ -4239,7 +4363,11 @@
             <a:p>
               <a:pPr algn="ctr"/>
               <a:r>
-                <a:rPr lang="fr-FR" sz="1200" dirty="0"/>
+                <a:rPr lang="fr-FR" sz="1200" dirty="0">
+                  <a:solidFill>
+                    <a:schemeClr val="tx1"/>
+                  </a:solidFill>
+                </a:rPr>
                 <a:t>Input download</a:t>
               </a:r>
             </a:p>
@@ -4294,7 +4422,11 @@
             <a:p>
               <a:pPr algn="ctr"/>
               <a:r>
-                <a:rPr lang="fr-FR" sz="1200" dirty="0"/>
+                <a:rPr lang="fr-FR" sz="1200" dirty="0">
+                  <a:solidFill>
+                    <a:schemeClr val="tx1"/>
+                  </a:solidFill>
+                </a:rPr>
                 <a:t>Computation</a:t>
               </a:r>
             </a:p>
@@ -4349,14 +4481,26 @@
             <a:p>
               <a:pPr algn="ctr"/>
               <a:r>
-                <a:rPr lang="fr-FR" sz="1200" dirty="0"/>
+                <a:rPr lang="fr-FR" sz="1200" dirty="0">
+                  <a:solidFill>
+                    <a:schemeClr val="tx1"/>
+                  </a:solidFill>
+                </a:rPr>
                 <a:t>Output </a:t>
               </a:r>
               <a:r>
-                <a:rPr lang="fr-FR" sz="1200" dirty="0" err="1"/>
+                <a:rPr lang="fr-FR" sz="1200" dirty="0" err="1">
+                  <a:solidFill>
+                    <a:schemeClr val="tx1"/>
+                  </a:solidFill>
+                </a:rPr>
                 <a:t>upload</a:t>
               </a:r>
-              <a:endParaRPr lang="fr-FR" sz="1200" dirty="0"/>
+              <a:endParaRPr lang="fr-FR" sz="1200" dirty="0">
+                <a:solidFill>
+                  <a:schemeClr val="tx1"/>
+                </a:solidFill>
+              </a:endParaRPr>
             </a:p>
           </p:txBody>
         </p:sp>
@@ -4411,19 +4555,35 @@
             <a:p>
               <a:pPr algn="ctr"/>
               <a:r>
-                <a:rPr lang="fr-FR" sz="1200" dirty="0" err="1"/>
+                <a:rPr lang="fr-FR" sz="1200" dirty="0" err="1">
+                  <a:solidFill>
+                    <a:schemeClr val="tx1"/>
+                  </a:solidFill>
+                </a:rPr>
                 <a:t>Scheduling</a:t>
               </a:r>
               <a:r>
-                <a:rPr lang="fr-FR" sz="1200" dirty="0"/>
+                <a:rPr lang="fr-FR" sz="1200" dirty="0">
+                  <a:solidFill>
+                    <a:schemeClr val="tx1"/>
+                  </a:solidFill>
+                </a:rPr>
                 <a:t> </a:t>
               </a:r>
               <a:r>
-                <a:rPr lang="fr-FR" sz="1200" dirty="0" err="1"/>
+                <a:rPr lang="fr-FR" sz="1200" dirty="0" err="1">
+                  <a:solidFill>
+                    <a:schemeClr val="tx1"/>
+                  </a:solidFill>
+                </a:rPr>
                 <a:t>function</a:t>
               </a:r>
               <a:r>
-                <a:rPr lang="fr-FR" sz="1200" dirty="0"/>
+                <a:rPr lang="fr-FR" sz="1200" dirty="0">
+                  <a:solidFill>
+                    <a:schemeClr val="tx1"/>
+                  </a:solidFill>
+                </a:rPr>
                 <a:t> 2</a:t>
               </a:r>
             </a:p>
@@ -4478,15 +4638,27 @@
             <a:p>
               <a:pPr algn="ctr"/>
               <a:r>
-                <a:rPr lang="fr-FR" sz="1200" dirty="0"/>
+                <a:rPr lang="fr-FR" sz="1200" dirty="0">
+                  <a:solidFill>
+                    <a:schemeClr val="tx1"/>
+                  </a:solidFill>
+                </a:rPr>
                 <a:t>User </a:t>
               </a:r>
               <a:r>
-                <a:rPr lang="fr-FR" sz="1200" dirty="0" err="1"/>
+                <a:rPr lang="fr-FR" sz="1200" dirty="0" err="1">
+                  <a:solidFill>
+                    <a:schemeClr val="tx1"/>
+                  </a:solidFill>
+                </a:rPr>
                 <a:t>Function</a:t>
               </a:r>
               <a:r>
-                <a:rPr lang="fr-FR" sz="1200" dirty="0"/>
+                <a:rPr lang="fr-FR" sz="1200" dirty="0">
+                  <a:solidFill>
+                    <a:schemeClr val="tx1"/>
+                  </a:solidFill>
+                </a:rPr>
                 <a:t> 2</a:t>
               </a:r>
             </a:p>
@@ -4541,7 +4713,11 @@
             <a:p>
               <a:pPr algn="ctr"/>
               <a:r>
-                <a:rPr lang="fr-FR" sz="1200" dirty="0"/>
+                <a:rPr lang="fr-FR" sz="1200" dirty="0">
+                  <a:solidFill>
+                    <a:schemeClr val="tx1"/>
+                  </a:solidFill>
+                </a:rPr>
                 <a:t>Input download</a:t>
               </a:r>
             </a:p>
@@ -4596,7 +4772,11 @@
             <a:p>
               <a:pPr algn="ctr"/>
               <a:r>
-                <a:rPr lang="fr-FR" sz="1200" dirty="0"/>
+                <a:rPr lang="fr-FR" sz="1200" dirty="0">
+                  <a:solidFill>
+                    <a:schemeClr val="tx1"/>
+                  </a:solidFill>
+                </a:rPr>
                 <a:t>Computation</a:t>
               </a:r>
             </a:p>
@@ -4651,14 +4831,26 @@
             <a:p>
               <a:pPr algn="ctr"/>
               <a:r>
-                <a:rPr lang="fr-FR" sz="1200" dirty="0"/>
+                <a:rPr lang="fr-FR" sz="1200" dirty="0">
+                  <a:solidFill>
+                    <a:schemeClr val="tx1"/>
+                  </a:solidFill>
+                </a:rPr>
                 <a:t>Output </a:t>
               </a:r>
               <a:r>
-                <a:rPr lang="fr-FR" sz="1200" dirty="0" err="1"/>
+                <a:rPr lang="fr-FR" sz="1200" dirty="0" err="1">
+                  <a:solidFill>
+                    <a:schemeClr val="tx1"/>
+                  </a:solidFill>
+                </a:rPr>
                 <a:t>upload</a:t>
               </a:r>
-              <a:endParaRPr lang="fr-FR" sz="1200" dirty="0"/>
+              <a:endParaRPr lang="fr-FR" sz="1200" dirty="0">
+                <a:solidFill>
+                  <a:schemeClr val="tx1"/>
+                </a:solidFill>
+              </a:endParaRPr>
             </a:p>
           </p:txBody>
         </p:sp>
@@ -4749,19 +4941,35 @@
             <a:p>
               <a:pPr algn="ctr"/>
               <a:r>
-                <a:rPr lang="fr-FR" sz="1200" dirty="0" err="1"/>
+                <a:rPr lang="fr-FR" sz="1200" dirty="0" err="1">
+                  <a:solidFill>
+                    <a:schemeClr val="tx1"/>
+                  </a:solidFill>
+                </a:rPr>
                 <a:t>Scheduling</a:t>
               </a:r>
               <a:r>
-                <a:rPr lang="fr-FR" sz="1200" dirty="0"/>
+                <a:rPr lang="fr-FR" sz="1200" dirty="0">
+                  <a:solidFill>
+                    <a:schemeClr val="tx1"/>
+                  </a:solidFill>
+                </a:rPr>
                 <a:t> </a:t>
               </a:r>
               <a:r>
-                <a:rPr lang="fr-FR" sz="1200" dirty="0" err="1"/>
+                <a:rPr lang="fr-FR" sz="1200" dirty="0" err="1">
+                  <a:solidFill>
+                    <a:schemeClr val="tx1"/>
+                  </a:solidFill>
+                </a:rPr>
                 <a:t>function</a:t>
               </a:r>
               <a:r>
-                <a:rPr lang="fr-FR" sz="1200" dirty="0"/>
+                <a:rPr lang="fr-FR" sz="1200" dirty="0">
+                  <a:solidFill>
+                    <a:schemeClr val="tx1"/>
+                  </a:solidFill>
+                </a:rPr>
                 <a:t> 1</a:t>
               </a:r>
             </a:p>
@@ -4816,15 +5024,27 @@
             <a:p>
               <a:pPr algn="ctr"/>
               <a:r>
-                <a:rPr lang="fr-FR" sz="1200" dirty="0"/>
+                <a:rPr lang="fr-FR" sz="1200" dirty="0">
+                  <a:solidFill>
+                    <a:schemeClr val="tx1"/>
+                  </a:solidFill>
+                </a:rPr>
                 <a:t>User </a:t>
               </a:r>
               <a:r>
-                <a:rPr lang="fr-FR" sz="1200" dirty="0" err="1"/>
+                <a:rPr lang="fr-FR" sz="1200" dirty="0" err="1">
+                  <a:solidFill>
+                    <a:schemeClr val="tx1"/>
+                  </a:solidFill>
+                </a:rPr>
                 <a:t>Function</a:t>
               </a:r>
               <a:r>
-                <a:rPr lang="fr-FR" sz="1200" dirty="0"/>
+                <a:rPr lang="fr-FR" sz="1200" dirty="0">
+                  <a:solidFill>
+                    <a:schemeClr val="tx1"/>
+                  </a:solidFill>
+                </a:rPr>
                 <a:t> 1</a:t>
               </a:r>
             </a:p>
@@ -4879,7 +5099,11 @@
             <a:p>
               <a:pPr algn="ctr"/>
               <a:r>
-                <a:rPr lang="fr-FR" sz="1200" dirty="0"/>
+                <a:rPr lang="fr-FR" sz="1200" dirty="0">
+                  <a:solidFill>
+                    <a:schemeClr val="tx1"/>
+                  </a:solidFill>
+                </a:rPr>
                 <a:t>Input download</a:t>
               </a:r>
             </a:p>
@@ -4934,7 +5158,11 @@
             <a:p>
               <a:pPr algn="ctr"/>
               <a:r>
-                <a:rPr lang="fr-FR" sz="1200" dirty="0"/>
+                <a:rPr lang="fr-FR" sz="1200" dirty="0">
+                  <a:solidFill>
+                    <a:schemeClr val="tx1"/>
+                  </a:solidFill>
+                </a:rPr>
                 <a:t>Computation</a:t>
               </a:r>
             </a:p>
@@ -4989,14 +5217,26 @@
             <a:p>
               <a:pPr algn="ctr"/>
               <a:r>
-                <a:rPr lang="fr-FR" sz="1200" dirty="0"/>
+                <a:rPr lang="fr-FR" sz="1200" dirty="0">
+                  <a:solidFill>
+                    <a:schemeClr val="tx1"/>
+                  </a:solidFill>
+                </a:rPr>
                 <a:t>Output </a:t>
               </a:r>
               <a:r>
-                <a:rPr lang="fr-FR" sz="1200" dirty="0" err="1"/>
+                <a:rPr lang="fr-FR" sz="1200" dirty="0" err="1">
+                  <a:solidFill>
+                    <a:schemeClr val="tx1"/>
+                  </a:solidFill>
+                </a:rPr>
                 <a:t>upload</a:t>
               </a:r>
-              <a:endParaRPr lang="fr-FR" sz="1200" dirty="0"/>
+              <a:endParaRPr lang="fr-FR" sz="1200" dirty="0">
+                <a:solidFill>
+                  <a:schemeClr val="tx1"/>
+                </a:solidFill>
+              </a:endParaRPr>
             </a:p>
           </p:txBody>
         </p:sp>
@@ -5051,19 +5291,35 @@
             <a:p>
               <a:pPr algn="ctr"/>
               <a:r>
-                <a:rPr lang="fr-FR" sz="1200" dirty="0" err="1"/>
+                <a:rPr lang="fr-FR" sz="1200" dirty="0" err="1">
+                  <a:solidFill>
+                    <a:schemeClr val="tx1"/>
+                  </a:solidFill>
+                </a:rPr>
                 <a:t>Scheduling</a:t>
               </a:r>
               <a:r>
-                <a:rPr lang="fr-FR" sz="1200" dirty="0"/>
+                <a:rPr lang="fr-FR" sz="1200" dirty="0">
+                  <a:solidFill>
+                    <a:schemeClr val="tx1"/>
+                  </a:solidFill>
+                </a:rPr>
                 <a:t> </a:t>
               </a:r>
               <a:r>
-                <a:rPr lang="fr-FR" sz="1200" dirty="0" err="1"/>
+                <a:rPr lang="fr-FR" sz="1200" dirty="0" err="1">
+                  <a:solidFill>
+                    <a:schemeClr val="tx1"/>
+                  </a:solidFill>
+                </a:rPr>
                 <a:t>function</a:t>
               </a:r>
               <a:r>
-                <a:rPr lang="fr-FR" sz="1200" dirty="0"/>
+                <a:rPr lang="fr-FR" sz="1200" dirty="0">
+                  <a:solidFill>
+                    <a:schemeClr val="tx1"/>
+                  </a:solidFill>
+                </a:rPr>
                 <a:t> 2</a:t>
               </a:r>
             </a:p>
@@ -5118,15 +5374,27 @@
             <a:p>
               <a:pPr algn="ctr"/>
               <a:r>
-                <a:rPr lang="fr-FR" sz="1200" dirty="0"/>
+                <a:rPr lang="fr-FR" sz="1200" dirty="0">
+                  <a:solidFill>
+                    <a:schemeClr val="tx1"/>
+                  </a:solidFill>
+                </a:rPr>
                 <a:t>User </a:t>
               </a:r>
               <a:r>
-                <a:rPr lang="fr-FR" sz="1200" dirty="0" err="1"/>
+                <a:rPr lang="fr-FR" sz="1200" dirty="0" err="1">
+                  <a:solidFill>
+                    <a:schemeClr val="tx1"/>
+                  </a:solidFill>
+                </a:rPr>
                 <a:t>Function</a:t>
               </a:r>
               <a:r>
-                <a:rPr lang="fr-FR" sz="1200" dirty="0"/>
+                <a:rPr lang="fr-FR" sz="1200" dirty="0">
+                  <a:solidFill>
+                    <a:schemeClr val="tx1"/>
+                  </a:solidFill>
+                </a:rPr>
                 <a:t> 2</a:t>
               </a:r>
             </a:p>
@@ -5181,7 +5449,11 @@
             <a:p>
               <a:pPr algn="ctr"/>
               <a:r>
-                <a:rPr lang="fr-FR" sz="1200" dirty="0"/>
+                <a:rPr lang="fr-FR" sz="1200" dirty="0">
+                  <a:solidFill>
+                    <a:schemeClr val="tx1"/>
+                  </a:solidFill>
+                </a:rPr>
                 <a:t>Input download</a:t>
               </a:r>
             </a:p>
@@ -5236,7 +5508,11 @@
             <a:p>
               <a:pPr algn="ctr"/>
               <a:r>
-                <a:rPr lang="fr-FR" sz="1200" dirty="0"/>
+                <a:rPr lang="fr-FR" sz="1200" dirty="0">
+                  <a:solidFill>
+                    <a:schemeClr val="tx1"/>
+                  </a:solidFill>
+                </a:rPr>
                 <a:t>Computation</a:t>
               </a:r>
             </a:p>
@@ -5291,14 +5567,26 @@
             <a:p>
               <a:pPr algn="ctr"/>
               <a:r>
-                <a:rPr lang="fr-FR" sz="1200" dirty="0"/>
+                <a:rPr lang="fr-FR" sz="1200" dirty="0">
+                  <a:solidFill>
+                    <a:schemeClr val="tx1"/>
+                  </a:solidFill>
+                </a:rPr>
                 <a:t>Output </a:t>
               </a:r>
               <a:r>
-                <a:rPr lang="fr-FR" sz="1200" dirty="0" err="1"/>
+                <a:rPr lang="fr-FR" sz="1200" dirty="0" err="1">
+                  <a:solidFill>
+                    <a:schemeClr val="tx1"/>
+                  </a:solidFill>
+                </a:rPr>
                 <a:t>upload</a:t>
               </a:r>
-              <a:endParaRPr lang="fr-FR" sz="1200" dirty="0"/>
+              <a:endParaRPr lang="fr-FR" sz="1200" dirty="0">
+                <a:solidFill>
+                  <a:schemeClr val="tx1"/>
+                </a:solidFill>
+              </a:endParaRPr>
             </a:p>
           </p:txBody>
         </p:sp>
@@ -5353,19 +5641,35 @@
             <a:p>
               <a:pPr algn="ctr"/>
               <a:r>
-                <a:rPr lang="fr-FR" sz="1200" dirty="0" err="1"/>
+                <a:rPr lang="fr-FR" sz="1200" dirty="0" err="1">
+                  <a:solidFill>
+                    <a:schemeClr val="tx1"/>
+                  </a:solidFill>
+                </a:rPr>
                 <a:t>Scheduling</a:t>
               </a:r>
               <a:r>
-                <a:rPr lang="fr-FR" sz="1200" dirty="0"/>
+                <a:rPr lang="fr-FR" sz="1200" dirty="0">
+                  <a:solidFill>
+                    <a:schemeClr val="tx1"/>
+                  </a:solidFill>
+                </a:rPr>
                 <a:t> </a:t>
               </a:r>
               <a:r>
-                <a:rPr lang="fr-FR" sz="1200" dirty="0" err="1"/>
+                <a:rPr lang="fr-FR" sz="1200" dirty="0" err="1">
+                  <a:solidFill>
+                    <a:schemeClr val="tx1"/>
+                  </a:solidFill>
+                </a:rPr>
                 <a:t>function</a:t>
               </a:r>
               <a:r>
-                <a:rPr lang="fr-FR" sz="1200" dirty="0"/>
+                <a:rPr lang="fr-FR" sz="1200" dirty="0">
+                  <a:solidFill>
+                    <a:schemeClr val="tx1"/>
+                  </a:solidFill>
+                </a:rPr>
                 <a:t> 3</a:t>
               </a:r>
             </a:p>
@@ -5420,15 +5724,27 @@
             <a:p>
               <a:pPr algn="ctr"/>
               <a:r>
-                <a:rPr lang="fr-FR" sz="1200" dirty="0"/>
+                <a:rPr lang="fr-FR" sz="1200" dirty="0">
+                  <a:solidFill>
+                    <a:schemeClr val="tx1"/>
+                  </a:solidFill>
+                </a:rPr>
                 <a:t>User </a:t>
               </a:r>
               <a:r>
-                <a:rPr lang="fr-FR" sz="1200" dirty="0" err="1"/>
+                <a:rPr lang="fr-FR" sz="1200" dirty="0" err="1">
+                  <a:solidFill>
+                    <a:schemeClr val="tx1"/>
+                  </a:solidFill>
+                </a:rPr>
                 <a:t>Function</a:t>
               </a:r>
               <a:r>
-                <a:rPr lang="fr-FR" sz="1200" dirty="0"/>
+                <a:rPr lang="fr-FR" sz="1200" dirty="0">
+                  <a:solidFill>
+                    <a:schemeClr val="tx1"/>
+                  </a:solidFill>
+                </a:rPr>
                 <a:t> 3</a:t>
               </a:r>
             </a:p>
@@ -5483,7 +5799,11 @@
             <a:p>
               <a:pPr algn="ctr"/>
               <a:r>
-                <a:rPr lang="fr-FR" sz="1200" dirty="0"/>
+                <a:rPr lang="fr-FR" sz="1200" dirty="0">
+                  <a:solidFill>
+                    <a:schemeClr val="tx1"/>
+                  </a:solidFill>
+                </a:rPr>
                 <a:t>Computation</a:t>
               </a:r>
             </a:p>
@@ -5538,14 +5858,26 @@
             <a:p>
               <a:pPr algn="ctr"/>
               <a:r>
-                <a:rPr lang="fr-FR" sz="1200" dirty="0"/>
+                <a:rPr lang="fr-FR" sz="1200" dirty="0">
+                  <a:solidFill>
+                    <a:schemeClr val="tx1"/>
+                  </a:solidFill>
+                </a:rPr>
                 <a:t>Output </a:t>
               </a:r>
               <a:r>
-                <a:rPr lang="fr-FR" sz="1200" dirty="0" err="1"/>
+                <a:rPr lang="fr-FR" sz="1200" dirty="0" err="1">
+                  <a:solidFill>
+                    <a:schemeClr val="tx1"/>
+                  </a:solidFill>
+                </a:rPr>
                 <a:t>upload</a:t>
               </a:r>
-              <a:endParaRPr lang="fr-FR" sz="1200" dirty="0"/>
+              <a:endParaRPr lang="fr-FR" sz="1200" dirty="0">
+                <a:solidFill>
+                  <a:schemeClr val="tx1"/>
+                </a:solidFill>
+              </a:endParaRPr>
             </a:p>
           </p:txBody>
         </p:sp>
@@ -5598,7 +5930,11 @@
             <a:p>
               <a:pPr algn="ctr"/>
               <a:r>
-                <a:rPr lang="fr-FR" sz="1200" dirty="0"/>
+                <a:rPr lang="fr-FR" sz="1200" dirty="0">
+                  <a:solidFill>
+                    <a:schemeClr val="tx1"/>
+                  </a:solidFill>
+                </a:rPr>
                 <a:t>Input download</a:t>
               </a:r>
             </a:p>
